--- a/img/sample.pptx
+++ b/img/sample.pptx
@@ -4534,7 +4534,7 @@
             </a:pPr>
             <a:r>
               <a:rPr lang="en-US" altLang="zh-CN" sz="1400" dirty="0"/>
-              <a:t>Eth1</a:t>
+              <a:t>eth1</a:t>
             </a:r>
             <a:r>
               <a:rPr lang="zh-CN" altLang="en-US" sz="1400" dirty="0"/>
